--- a/ppt 16-9/1512.赞美之泉.pptx
+++ b/ppt 16-9/1512.赞美之泉.pptx
@@ -129,7 +129,7 @@
           <p:cNvPr id="2" name="标题 1">
             <a:extLst>
               <a:ext uri="{FF2B5EF4-FFF2-40B4-BE49-F238E27FC236}">
-                <a16:creationId xmlns:a16="http://schemas.microsoft.com/office/drawing/2014/main" id="{44C2F3F7-7CEF-DF12-1915-1F9E6D8E6420}"/>
+                <a16:creationId xmlns:a16="http://schemas.microsoft.com/office/drawing/2014/main" id="{36FCC240-D049-495F-18A4-C36766640F32}"/>
               </a:ext>
             </a:extLst>
           </p:cNvPr>
@@ -166,7 +166,7 @@
           <p:cNvPr id="3" name="副标题 2">
             <a:extLst>
               <a:ext uri="{FF2B5EF4-FFF2-40B4-BE49-F238E27FC236}">
-                <a16:creationId xmlns:a16="http://schemas.microsoft.com/office/drawing/2014/main" id="{7F8A4964-7B92-7443-A857-78E2C89E83A1}"/>
+                <a16:creationId xmlns:a16="http://schemas.microsoft.com/office/drawing/2014/main" id="{F9BEEE15-80D4-0DF0-79C6-8D504814B05E}"/>
               </a:ext>
             </a:extLst>
           </p:cNvPr>
@@ -236,7 +236,7 @@
           <p:cNvPr id="4" name="日期占位符 3">
             <a:extLst>
               <a:ext uri="{FF2B5EF4-FFF2-40B4-BE49-F238E27FC236}">
-                <a16:creationId xmlns:a16="http://schemas.microsoft.com/office/drawing/2014/main" id="{56671FB7-630C-696B-8314-DB9D6AF37E5D}"/>
+                <a16:creationId xmlns:a16="http://schemas.microsoft.com/office/drawing/2014/main" id="{296A1256-6827-F596-8034-53116F6DA002}"/>
               </a:ext>
             </a:extLst>
           </p:cNvPr>
@@ -252,7 +252,7 @@
           <a:bodyPr/>
           <a:lstStyle/>
           <a:p>
-            <a:fld id="{52DF60A9-343E-4BF5-86FF-E319B87B9010}" type="datetimeFigureOut">
+            <a:fld id="{0957C8FE-FD4D-4513-B181-A87F3F81C750}" type="datetimeFigureOut">
               <a:rPr lang="zh-CN" altLang="en-US" smtClean="0"/>
               <a:t>2024/3/10</a:t>
             </a:fld>
@@ -265,7 +265,7 @@
           <p:cNvPr id="5" name="页脚占位符 4">
             <a:extLst>
               <a:ext uri="{FF2B5EF4-FFF2-40B4-BE49-F238E27FC236}">
-                <a16:creationId xmlns:a16="http://schemas.microsoft.com/office/drawing/2014/main" id="{4864A156-413F-FF3A-CA2C-94C3BF3E77A7}"/>
+                <a16:creationId xmlns:a16="http://schemas.microsoft.com/office/drawing/2014/main" id="{71C2FBA1-52FB-9EFE-33E4-F7016714C7A8}"/>
               </a:ext>
             </a:extLst>
           </p:cNvPr>
@@ -290,7 +290,7 @@
           <p:cNvPr id="6" name="灯片编号占位符 5">
             <a:extLst>
               <a:ext uri="{FF2B5EF4-FFF2-40B4-BE49-F238E27FC236}">
-                <a16:creationId xmlns:a16="http://schemas.microsoft.com/office/drawing/2014/main" id="{B2EDFBE2-206F-6E36-6BE6-4AC0B90A301E}"/>
+                <a16:creationId xmlns:a16="http://schemas.microsoft.com/office/drawing/2014/main" id="{7DC68F80-14A0-5C7F-2D9A-44193A551DD7}"/>
               </a:ext>
             </a:extLst>
           </p:cNvPr>
@@ -306,7 +306,7 @@
           <a:bodyPr/>
           <a:lstStyle/>
           <a:p>
-            <a:fld id="{48C71F1A-2BE9-45AF-A7A2-7BA2AEC8B9B0}" type="slidenum">
+            <a:fld id="{DAB0F139-CA55-4E14-8386-517CB5262081}" type="slidenum">
               <a:rPr lang="zh-CN" altLang="en-US" smtClean="0"/>
               <a:t>‹#›</a:t>
             </a:fld>
@@ -317,7 +317,7 @@
     </p:spTree>
     <p:extLst>
       <p:ext uri="{BB962C8B-B14F-4D97-AF65-F5344CB8AC3E}">
-        <p14:creationId xmlns:p14="http://schemas.microsoft.com/office/powerpoint/2010/main" val="2138929073"/>
+        <p14:creationId xmlns:p14="http://schemas.microsoft.com/office/powerpoint/2010/main" val="755970021"/>
       </p:ext>
     </p:extLst>
   </p:cSld>
@@ -349,7 +349,7 @@
           <p:cNvPr id="2" name="标题 1">
             <a:extLst>
               <a:ext uri="{FF2B5EF4-FFF2-40B4-BE49-F238E27FC236}">
-                <a16:creationId xmlns:a16="http://schemas.microsoft.com/office/drawing/2014/main" id="{FE6511A9-B56D-5318-8B2B-4AC76AD24C9A}"/>
+                <a16:creationId xmlns:a16="http://schemas.microsoft.com/office/drawing/2014/main" id="{739BEA6A-8719-5233-D0AF-61B3B99EC11F}"/>
               </a:ext>
             </a:extLst>
           </p:cNvPr>
@@ -377,7 +377,7 @@
           <p:cNvPr id="3" name="竖排文字占位符 2">
             <a:extLst>
               <a:ext uri="{FF2B5EF4-FFF2-40B4-BE49-F238E27FC236}">
-                <a16:creationId xmlns:a16="http://schemas.microsoft.com/office/drawing/2014/main" id="{AD5F275E-E090-8D8E-5066-3CD667135F41}"/>
+                <a16:creationId xmlns:a16="http://schemas.microsoft.com/office/drawing/2014/main" id="{EBCDE3F5-7118-F275-9058-80B9668B6039}"/>
               </a:ext>
             </a:extLst>
           </p:cNvPr>
@@ -434,7 +434,7 @@
           <p:cNvPr id="4" name="日期占位符 3">
             <a:extLst>
               <a:ext uri="{FF2B5EF4-FFF2-40B4-BE49-F238E27FC236}">
-                <a16:creationId xmlns:a16="http://schemas.microsoft.com/office/drawing/2014/main" id="{995AC607-3174-E1FA-BC9A-A5F78BC66DDC}"/>
+                <a16:creationId xmlns:a16="http://schemas.microsoft.com/office/drawing/2014/main" id="{60A8A22C-6E3D-A1E8-49EE-7F213FC66EEC}"/>
               </a:ext>
             </a:extLst>
           </p:cNvPr>
@@ -450,7 +450,7 @@
           <a:bodyPr/>
           <a:lstStyle/>
           <a:p>
-            <a:fld id="{52DF60A9-343E-4BF5-86FF-E319B87B9010}" type="datetimeFigureOut">
+            <a:fld id="{0957C8FE-FD4D-4513-B181-A87F3F81C750}" type="datetimeFigureOut">
               <a:rPr lang="zh-CN" altLang="en-US" smtClean="0"/>
               <a:t>2024/3/10</a:t>
             </a:fld>
@@ -463,7 +463,7 @@
           <p:cNvPr id="5" name="页脚占位符 4">
             <a:extLst>
               <a:ext uri="{FF2B5EF4-FFF2-40B4-BE49-F238E27FC236}">
-                <a16:creationId xmlns:a16="http://schemas.microsoft.com/office/drawing/2014/main" id="{063202F1-1C0F-844E-2614-0768466629B0}"/>
+                <a16:creationId xmlns:a16="http://schemas.microsoft.com/office/drawing/2014/main" id="{A0EBDF28-D880-5BC6-059F-DBAC8F3402EE}"/>
               </a:ext>
             </a:extLst>
           </p:cNvPr>
@@ -488,7 +488,7 @@
           <p:cNvPr id="6" name="灯片编号占位符 5">
             <a:extLst>
               <a:ext uri="{FF2B5EF4-FFF2-40B4-BE49-F238E27FC236}">
-                <a16:creationId xmlns:a16="http://schemas.microsoft.com/office/drawing/2014/main" id="{66DC5EA5-C209-75FF-25CD-4B5B95764A95}"/>
+                <a16:creationId xmlns:a16="http://schemas.microsoft.com/office/drawing/2014/main" id="{4490990B-2EDD-7BAD-7524-EBD2DDC376B1}"/>
               </a:ext>
             </a:extLst>
           </p:cNvPr>
@@ -504,7 +504,7 @@
           <a:bodyPr/>
           <a:lstStyle/>
           <a:p>
-            <a:fld id="{48C71F1A-2BE9-45AF-A7A2-7BA2AEC8B9B0}" type="slidenum">
+            <a:fld id="{DAB0F139-CA55-4E14-8386-517CB5262081}" type="slidenum">
               <a:rPr lang="zh-CN" altLang="en-US" smtClean="0"/>
               <a:t>‹#›</a:t>
             </a:fld>
@@ -515,7 +515,7 @@
     </p:spTree>
     <p:extLst>
       <p:ext uri="{BB962C8B-B14F-4D97-AF65-F5344CB8AC3E}">
-        <p14:creationId xmlns:p14="http://schemas.microsoft.com/office/powerpoint/2010/main" val="2542507658"/>
+        <p14:creationId xmlns:p14="http://schemas.microsoft.com/office/powerpoint/2010/main" val="676080101"/>
       </p:ext>
     </p:extLst>
   </p:cSld>
@@ -547,7 +547,7 @@
           <p:cNvPr id="2" name="竖排标题 1">
             <a:extLst>
               <a:ext uri="{FF2B5EF4-FFF2-40B4-BE49-F238E27FC236}">
-                <a16:creationId xmlns:a16="http://schemas.microsoft.com/office/drawing/2014/main" id="{14BCE114-5B05-E3D0-3B06-FE3676185615}"/>
+                <a16:creationId xmlns:a16="http://schemas.microsoft.com/office/drawing/2014/main" id="{D129F71D-87F6-1B47-8CA8-FA88C43F6655}"/>
               </a:ext>
             </a:extLst>
           </p:cNvPr>
@@ -580,7 +580,7 @@
           <p:cNvPr id="3" name="竖排文字占位符 2">
             <a:extLst>
               <a:ext uri="{FF2B5EF4-FFF2-40B4-BE49-F238E27FC236}">
-                <a16:creationId xmlns:a16="http://schemas.microsoft.com/office/drawing/2014/main" id="{DDA04945-3B06-799D-5FC9-BE82D6EA54E0}"/>
+                <a16:creationId xmlns:a16="http://schemas.microsoft.com/office/drawing/2014/main" id="{8A6C3AD0-FA24-EB1E-7990-F37598A97A71}"/>
               </a:ext>
             </a:extLst>
           </p:cNvPr>
@@ -642,7 +642,7 @@
           <p:cNvPr id="4" name="日期占位符 3">
             <a:extLst>
               <a:ext uri="{FF2B5EF4-FFF2-40B4-BE49-F238E27FC236}">
-                <a16:creationId xmlns:a16="http://schemas.microsoft.com/office/drawing/2014/main" id="{4F0599CA-DBAF-8A61-FDA6-56DB88DE4396}"/>
+                <a16:creationId xmlns:a16="http://schemas.microsoft.com/office/drawing/2014/main" id="{56DFE8C7-DE77-570D-5CF4-8402F5D90068}"/>
               </a:ext>
             </a:extLst>
           </p:cNvPr>
@@ -658,7 +658,7 @@
           <a:bodyPr/>
           <a:lstStyle/>
           <a:p>
-            <a:fld id="{52DF60A9-343E-4BF5-86FF-E319B87B9010}" type="datetimeFigureOut">
+            <a:fld id="{0957C8FE-FD4D-4513-B181-A87F3F81C750}" type="datetimeFigureOut">
               <a:rPr lang="zh-CN" altLang="en-US" smtClean="0"/>
               <a:t>2024/3/10</a:t>
             </a:fld>
@@ -671,7 +671,7 @@
           <p:cNvPr id="5" name="页脚占位符 4">
             <a:extLst>
               <a:ext uri="{FF2B5EF4-FFF2-40B4-BE49-F238E27FC236}">
-                <a16:creationId xmlns:a16="http://schemas.microsoft.com/office/drawing/2014/main" id="{DB5544AA-A052-0A47-942C-4B93A7E5C559}"/>
+                <a16:creationId xmlns:a16="http://schemas.microsoft.com/office/drawing/2014/main" id="{F4220019-010E-755F-0C33-E5F4D88052E7}"/>
               </a:ext>
             </a:extLst>
           </p:cNvPr>
@@ -696,7 +696,7 @@
           <p:cNvPr id="6" name="灯片编号占位符 5">
             <a:extLst>
               <a:ext uri="{FF2B5EF4-FFF2-40B4-BE49-F238E27FC236}">
-                <a16:creationId xmlns:a16="http://schemas.microsoft.com/office/drawing/2014/main" id="{B260D07B-5AAB-8B59-7E80-D460B4DD44EF}"/>
+                <a16:creationId xmlns:a16="http://schemas.microsoft.com/office/drawing/2014/main" id="{E54BCBA0-F819-145B-A221-52C2AD4626C1}"/>
               </a:ext>
             </a:extLst>
           </p:cNvPr>
@@ -712,7 +712,7 @@
           <a:bodyPr/>
           <a:lstStyle/>
           <a:p>
-            <a:fld id="{48C71F1A-2BE9-45AF-A7A2-7BA2AEC8B9B0}" type="slidenum">
+            <a:fld id="{DAB0F139-CA55-4E14-8386-517CB5262081}" type="slidenum">
               <a:rPr lang="zh-CN" altLang="en-US" smtClean="0"/>
               <a:t>‹#›</a:t>
             </a:fld>
@@ -723,7 +723,7 @@
     </p:spTree>
     <p:extLst>
       <p:ext uri="{BB962C8B-B14F-4D97-AF65-F5344CB8AC3E}">
-        <p14:creationId xmlns:p14="http://schemas.microsoft.com/office/powerpoint/2010/main" val="3927087990"/>
+        <p14:creationId xmlns:p14="http://schemas.microsoft.com/office/powerpoint/2010/main" val="4106388591"/>
       </p:ext>
     </p:extLst>
   </p:cSld>
@@ -755,7 +755,7 @@
           <p:cNvPr id="2" name="标题 1">
             <a:extLst>
               <a:ext uri="{FF2B5EF4-FFF2-40B4-BE49-F238E27FC236}">
-                <a16:creationId xmlns:a16="http://schemas.microsoft.com/office/drawing/2014/main" id="{B16F3C1F-1C99-5D4C-F22B-CD85656C63B7}"/>
+                <a16:creationId xmlns:a16="http://schemas.microsoft.com/office/drawing/2014/main" id="{F5A0FD3C-9A28-1C6C-53BC-7D003E5A9407}"/>
               </a:ext>
             </a:extLst>
           </p:cNvPr>
@@ -783,7 +783,7 @@
           <p:cNvPr id="3" name="内容占位符 2">
             <a:extLst>
               <a:ext uri="{FF2B5EF4-FFF2-40B4-BE49-F238E27FC236}">
-                <a16:creationId xmlns:a16="http://schemas.microsoft.com/office/drawing/2014/main" id="{A2B2F06F-6824-940F-61C3-C165A732899A}"/>
+                <a16:creationId xmlns:a16="http://schemas.microsoft.com/office/drawing/2014/main" id="{3A81AA5F-53C0-77B5-376C-07B3BA4B26E2}"/>
               </a:ext>
             </a:extLst>
           </p:cNvPr>
@@ -840,7 +840,7 @@
           <p:cNvPr id="4" name="日期占位符 3">
             <a:extLst>
               <a:ext uri="{FF2B5EF4-FFF2-40B4-BE49-F238E27FC236}">
-                <a16:creationId xmlns:a16="http://schemas.microsoft.com/office/drawing/2014/main" id="{AA338643-24AD-A0B1-5961-3A823EAE4C08}"/>
+                <a16:creationId xmlns:a16="http://schemas.microsoft.com/office/drawing/2014/main" id="{43C9C3AA-C603-2CBB-F01D-F467136EF498}"/>
               </a:ext>
             </a:extLst>
           </p:cNvPr>
@@ -856,7 +856,7 @@
           <a:bodyPr/>
           <a:lstStyle/>
           <a:p>
-            <a:fld id="{52DF60A9-343E-4BF5-86FF-E319B87B9010}" type="datetimeFigureOut">
+            <a:fld id="{0957C8FE-FD4D-4513-B181-A87F3F81C750}" type="datetimeFigureOut">
               <a:rPr lang="zh-CN" altLang="en-US" smtClean="0"/>
               <a:t>2024/3/10</a:t>
             </a:fld>
@@ -869,7 +869,7 @@
           <p:cNvPr id="5" name="页脚占位符 4">
             <a:extLst>
               <a:ext uri="{FF2B5EF4-FFF2-40B4-BE49-F238E27FC236}">
-                <a16:creationId xmlns:a16="http://schemas.microsoft.com/office/drawing/2014/main" id="{20B9263D-45A4-03C9-67EB-AF8782FE7F44}"/>
+                <a16:creationId xmlns:a16="http://schemas.microsoft.com/office/drawing/2014/main" id="{7E0BE149-A0E6-5631-B2B8-4EAE58B610D5}"/>
               </a:ext>
             </a:extLst>
           </p:cNvPr>
@@ -894,7 +894,7 @@
           <p:cNvPr id="6" name="灯片编号占位符 5">
             <a:extLst>
               <a:ext uri="{FF2B5EF4-FFF2-40B4-BE49-F238E27FC236}">
-                <a16:creationId xmlns:a16="http://schemas.microsoft.com/office/drawing/2014/main" id="{FF04E9F5-613B-A3A4-D4D6-4411CDBAE107}"/>
+                <a16:creationId xmlns:a16="http://schemas.microsoft.com/office/drawing/2014/main" id="{8A286261-1C1B-FE4A-0793-BAEACFACA18D}"/>
               </a:ext>
             </a:extLst>
           </p:cNvPr>
@@ -910,7 +910,7 @@
           <a:bodyPr/>
           <a:lstStyle/>
           <a:p>
-            <a:fld id="{48C71F1A-2BE9-45AF-A7A2-7BA2AEC8B9B0}" type="slidenum">
+            <a:fld id="{DAB0F139-CA55-4E14-8386-517CB5262081}" type="slidenum">
               <a:rPr lang="zh-CN" altLang="en-US" smtClean="0"/>
               <a:t>‹#›</a:t>
             </a:fld>
@@ -921,7 +921,7 @@
     </p:spTree>
     <p:extLst>
       <p:ext uri="{BB962C8B-B14F-4D97-AF65-F5344CB8AC3E}">
-        <p14:creationId xmlns:p14="http://schemas.microsoft.com/office/powerpoint/2010/main" val="1251704305"/>
+        <p14:creationId xmlns:p14="http://schemas.microsoft.com/office/powerpoint/2010/main" val="1224584722"/>
       </p:ext>
     </p:extLst>
   </p:cSld>
@@ -953,7 +953,7 @@
           <p:cNvPr id="2" name="标题 1">
             <a:extLst>
               <a:ext uri="{FF2B5EF4-FFF2-40B4-BE49-F238E27FC236}">
-                <a16:creationId xmlns:a16="http://schemas.microsoft.com/office/drawing/2014/main" id="{1D17D42D-E7B7-0E43-2BDA-738A257968BA}"/>
+                <a16:creationId xmlns:a16="http://schemas.microsoft.com/office/drawing/2014/main" id="{B2290408-7238-8980-B5F0-B9179A81DFA1}"/>
               </a:ext>
             </a:extLst>
           </p:cNvPr>
@@ -990,7 +990,7 @@
           <p:cNvPr id="3" name="文本占位符 2">
             <a:extLst>
               <a:ext uri="{FF2B5EF4-FFF2-40B4-BE49-F238E27FC236}">
-                <a16:creationId xmlns:a16="http://schemas.microsoft.com/office/drawing/2014/main" id="{AB5D54C9-88B6-F4EB-844B-4FDD37347EC5}"/>
+                <a16:creationId xmlns:a16="http://schemas.microsoft.com/office/drawing/2014/main" id="{815E4C53-AA99-F39F-32FF-5CDEE4360BA7}"/>
               </a:ext>
             </a:extLst>
           </p:cNvPr>
@@ -1115,7 +1115,7 @@
           <p:cNvPr id="4" name="日期占位符 3">
             <a:extLst>
               <a:ext uri="{FF2B5EF4-FFF2-40B4-BE49-F238E27FC236}">
-                <a16:creationId xmlns:a16="http://schemas.microsoft.com/office/drawing/2014/main" id="{09C0DA98-F437-6CED-28EE-1E992B923BE0}"/>
+                <a16:creationId xmlns:a16="http://schemas.microsoft.com/office/drawing/2014/main" id="{CD9A0063-8A7F-FFE3-2873-F1D97BF0CD57}"/>
               </a:ext>
             </a:extLst>
           </p:cNvPr>
@@ -1131,7 +1131,7 @@
           <a:bodyPr/>
           <a:lstStyle/>
           <a:p>
-            <a:fld id="{52DF60A9-343E-4BF5-86FF-E319B87B9010}" type="datetimeFigureOut">
+            <a:fld id="{0957C8FE-FD4D-4513-B181-A87F3F81C750}" type="datetimeFigureOut">
               <a:rPr lang="zh-CN" altLang="en-US" smtClean="0"/>
               <a:t>2024/3/10</a:t>
             </a:fld>
@@ -1144,7 +1144,7 @@
           <p:cNvPr id="5" name="页脚占位符 4">
             <a:extLst>
               <a:ext uri="{FF2B5EF4-FFF2-40B4-BE49-F238E27FC236}">
-                <a16:creationId xmlns:a16="http://schemas.microsoft.com/office/drawing/2014/main" id="{6AA76DC0-EF49-BB84-E354-C955B584123B}"/>
+                <a16:creationId xmlns:a16="http://schemas.microsoft.com/office/drawing/2014/main" id="{5946ADA8-AE59-0158-95AD-55AB90F45195}"/>
               </a:ext>
             </a:extLst>
           </p:cNvPr>
@@ -1169,7 +1169,7 @@
           <p:cNvPr id="6" name="灯片编号占位符 5">
             <a:extLst>
               <a:ext uri="{FF2B5EF4-FFF2-40B4-BE49-F238E27FC236}">
-                <a16:creationId xmlns:a16="http://schemas.microsoft.com/office/drawing/2014/main" id="{00021BB1-2A79-FD76-7440-5B5BB9F980C8}"/>
+                <a16:creationId xmlns:a16="http://schemas.microsoft.com/office/drawing/2014/main" id="{B1DCE9BE-182A-564F-3385-946DE92118D4}"/>
               </a:ext>
             </a:extLst>
           </p:cNvPr>
@@ -1185,7 +1185,7 @@
           <a:bodyPr/>
           <a:lstStyle/>
           <a:p>
-            <a:fld id="{48C71F1A-2BE9-45AF-A7A2-7BA2AEC8B9B0}" type="slidenum">
+            <a:fld id="{DAB0F139-CA55-4E14-8386-517CB5262081}" type="slidenum">
               <a:rPr lang="zh-CN" altLang="en-US" smtClean="0"/>
               <a:t>‹#›</a:t>
             </a:fld>
@@ -1196,7 +1196,7 @@
     </p:spTree>
     <p:extLst>
       <p:ext uri="{BB962C8B-B14F-4D97-AF65-F5344CB8AC3E}">
-        <p14:creationId xmlns:p14="http://schemas.microsoft.com/office/powerpoint/2010/main" val="1842779698"/>
+        <p14:creationId xmlns:p14="http://schemas.microsoft.com/office/powerpoint/2010/main" val="3196749161"/>
       </p:ext>
     </p:extLst>
   </p:cSld>
@@ -1228,7 +1228,7 @@
           <p:cNvPr id="2" name="标题 1">
             <a:extLst>
               <a:ext uri="{FF2B5EF4-FFF2-40B4-BE49-F238E27FC236}">
-                <a16:creationId xmlns:a16="http://schemas.microsoft.com/office/drawing/2014/main" id="{D8D538B9-FAFB-3B75-EDA1-6F1205D0CAA8}"/>
+                <a16:creationId xmlns:a16="http://schemas.microsoft.com/office/drawing/2014/main" id="{8DDE1F82-8E66-3ADD-7AD5-01CE236642EB}"/>
               </a:ext>
             </a:extLst>
           </p:cNvPr>
@@ -1256,7 +1256,7 @@
           <p:cNvPr id="3" name="内容占位符 2">
             <a:extLst>
               <a:ext uri="{FF2B5EF4-FFF2-40B4-BE49-F238E27FC236}">
-                <a16:creationId xmlns:a16="http://schemas.microsoft.com/office/drawing/2014/main" id="{14796C81-3626-7A6C-F07B-C2E053E18D84}"/>
+                <a16:creationId xmlns:a16="http://schemas.microsoft.com/office/drawing/2014/main" id="{14CDE922-D04F-E80A-36EF-18152A782E78}"/>
               </a:ext>
             </a:extLst>
           </p:cNvPr>
@@ -1318,7 +1318,7 @@
           <p:cNvPr id="4" name="内容占位符 3">
             <a:extLst>
               <a:ext uri="{FF2B5EF4-FFF2-40B4-BE49-F238E27FC236}">
-                <a16:creationId xmlns:a16="http://schemas.microsoft.com/office/drawing/2014/main" id="{2B8E6610-2BFF-8C6F-9DD5-03169D1F36DE}"/>
+                <a16:creationId xmlns:a16="http://schemas.microsoft.com/office/drawing/2014/main" id="{790C7F2B-89E6-36ED-AFF8-F37D58A094D7}"/>
               </a:ext>
             </a:extLst>
           </p:cNvPr>
@@ -1380,7 +1380,7 @@
           <p:cNvPr id="5" name="日期占位符 4">
             <a:extLst>
               <a:ext uri="{FF2B5EF4-FFF2-40B4-BE49-F238E27FC236}">
-                <a16:creationId xmlns:a16="http://schemas.microsoft.com/office/drawing/2014/main" id="{1C46F3E0-3658-FC62-E312-C1E20BC3FD2C}"/>
+                <a16:creationId xmlns:a16="http://schemas.microsoft.com/office/drawing/2014/main" id="{AB2436BC-45E1-6871-141D-B61112562FCC}"/>
               </a:ext>
             </a:extLst>
           </p:cNvPr>
@@ -1396,7 +1396,7 @@
           <a:bodyPr/>
           <a:lstStyle/>
           <a:p>
-            <a:fld id="{52DF60A9-343E-4BF5-86FF-E319B87B9010}" type="datetimeFigureOut">
+            <a:fld id="{0957C8FE-FD4D-4513-B181-A87F3F81C750}" type="datetimeFigureOut">
               <a:rPr lang="zh-CN" altLang="en-US" smtClean="0"/>
               <a:t>2024/3/10</a:t>
             </a:fld>
@@ -1409,7 +1409,7 @@
           <p:cNvPr id="6" name="页脚占位符 5">
             <a:extLst>
               <a:ext uri="{FF2B5EF4-FFF2-40B4-BE49-F238E27FC236}">
-                <a16:creationId xmlns:a16="http://schemas.microsoft.com/office/drawing/2014/main" id="{9C72FE13-22C6-AE7A-F410-07463C77A91D}"/>
+                <a16:creationId xmlns:a16="http://schemas.microsoft.com/office/drawing/2014/main" id="{D20535CC-93FC-F724-F57E-45BC072AB5DE}"/>
               </a:ext>
             </a:extLst>
           </p:cNvPr>
@@ -1434,7 +1434,7 @@
           <p:cNvPr id="7" name="灯片编号占位符 6">
             <a:extLst>
               <a:ext uri="{FF2B5EF4-FFF2-40B4-BE49-F238E27FC236}">
-                <a16:creationId xmlns:a16="http://schemas.microsoft.com/office/drawing/2014/main" id="{EB77FE3D-BB95-6A7B-0CDA-4255A00187D7}"/>
+                <a16:creationId xmlns:a16="http://schemas.microsoft.com/office/drawing/2014/main" id="{A837D05F-164D-CF65-9796-B34B4D99C907}"/>
               </a:ext>
             </a:extLst>
           </p:cNvPr>
@@ -1450,7 +1450,7 @@
           <a:bodyPr/>
           <a:lstStyle/>
           <a:p>
-            <a:fld id="{48C71F1A-2BE9-45AF-A7A2-7BA2AEC8B9B0}" type="slidenum">
+            <a:fld id="{DAB0F139-CA55-4E14-8386-517CB5262081}" type="slidenum">
               <a:rPr lang="zh-CN" altLang="en-US" smtClean="0"/>
               <a:t>‹#›</a:t>
             </a:fld>
@@ -1461,7 +1461,7 @@
     </p:spTree>
     <p:extLst>
       <p:ext uri="{BB962C8B-B14F-4D97-AF65-F5344CB8AC3E}">
-        <p14:creationId xmlns:p14="http://schemas.microsoft.com/office/powerpoint/2010/main" val="3286125622"/>
+        <p14:creationId xmlns:p14="http://schemas.microsoft.com/office/powerpoint/2010/main" val="4137299664"/>
       </p:ext>
     </p:extLst>
   </p:cSld>
@@ -1493,7 +1493,7 @@
           <p:cNvPr id="2" name="标题 1">
             <a:extLst>
               <a:ext uri="{FF2B5EF4-FFF2-40B4-BE49-F238E27FC236}">
-                <a16:creationId xmlns:a16="http://schemas.microsoft.com/office/drawing/2014/main" id="{F9A74ABB-CE3D-FB9F-D25A-46B62E5D8663}"/>
+                <a16:creationId xmlns:a16="http://schemas.microsoft.com/office/drawing/2014/main" id="{4FE43FC8-3F5B-9D8E-B745-40746BCC376E}"/>
               </a:ext>
             </a:extLst>
           </p:cNvPr>
@@ -1526,7 +1526,7 @@
           <p:cNvPr id="3" name="文本占位符 2">
             <a:extLst>
               <a:ext uri="{FF2B5EF4-FFF2-40B4-BE49-F238E27FC236}">
-                <a16:creationId xmlns:a16="http://schemas.microsoft.com/office/drawing/2014/main" id="{D0855224-8AF2-7514-4C10-F1A1EF8AE43C}"/>
+                <a16:creationId xmlns:a16="http://schemas.microsoft.com/office/drawing/2014/main" id="{53F5A50F-F425-0A95-B457-DE84308AC845}"/>
               </a:ext>
             </a:extLst>
           </p:cNvPr>
@@ -1597,7 +1597,7 @@
           <p:cNvPr id="4" name="内容占位符 3">
             <a:extLst>
               <a:ext uri="{FF2B5EF4-FFF2-40B4-BE49-F238E27FC236}">
-                <a16:creationId xmlns:a16="http://schemas.microsoft.com/office/drawing/2014/main" id="{F76B325F-5509-99D3-58B7-CC0904604FE4}"/>
+                <a16:creationId xmlns:a16="http://schemas.microsoft.com/office/drawing/2014/main" id="{28640E9F-78B6-AB47-FD45-B6549DFCE1C9}"/>
               </a:ext>
             </a:extLst>
           </p:cNvPr>
@@ -1659,7 +1659,7 @@
           <p:cNvPr id="5" name="文本占位符 4">
             <a:extLst>
               <a:ext uri="{FF2B5EF4-FFF2-40B4-BE49-F238E27FC236}">
-                <a16:creationId xmlns:a16="http://schemas.microsoft.com/office/drawing/2014/main" id="{3508BB4B-6FC0-BAA2-9922-54B265057760}"/>
+                <a16:creationId xmlns:a16="http://schemas.microsoft.com/office/drawing/2014/main" id="{F6B0459A-CC4C-21A7-4FA7-6ACF573E1EEE}"/>
               </a:ext>
             </a:extLst>
           </p:cNvPr>
@@ -1730,7 +1730,7 @@
           <p:cNvPr id="6" name="内容占位符 5">
             <a:extLst>
               <a:ext uri="{FF2B5EF4-FFF2-40B4-BE49-F238E27FC236}">
-                <a16:creationId xmlns:a16="http://schemas.microsoft.com/office/drawing/2014/main" id="{CD15B5D5-62D7-287B-7EB6-5334970CB3DF}"/>
+                <a16:creationId xmlns:a16="http://schemas.microsoft.com/office/drawing/2014/main" id="{CBFB298D-AD70-E693-8F91-B7E972ABB3DA}"/>
               </a:ext>
             </a:extLst>
           </p:cNvPr>
@@ -1792,7 +1792,7 @@
           <p:cNvPr id="7" name="日期占位符 6">
             <a:extLst>
               <a:ext uri="{FF2B5EF4-FFF2-40B4-BE49-F238E27FC236}">
-                <a16:creationId xmlns:a16="http://schemas.microsoft.com/office/drawing/2014/main" id="{699CB146-8F25-4E67-E5C3-923C43449C1A}"/>
+                <a16:creationId xmlns:a16="http://schemas.microsoft.com/office/drawing/2014/main" id="{B2919EB4-C65C-3EBA-9A6B-14442E0A4045}"/>
               </a:ext>
             </a:extLst>
           </p:cNvPr>
@@ -1808,7 +1808,7 @@
           <a:bodyPr/>
           <a:lstStyle/>
           <a:p>
-            <a:fld id="{52DF60A9-343E-4BF5-86FF-E319B87B9010}" type="datetimeFigureOut">
+            <a:fld id="{0957C8FE-FD4D-4513-B181-A87F3F81C750}" type="datetimeFigureOut">
               <a:rPr lang="zh-CN" altLang="en-US" smtClean="0"/>
               <a:t>2024/3/10</a:t>
             </a:fld>
@@ -1821,7 +1821,7 @@
           <p:cNvPr id="8" name="页脚占位符 7">
             <a:extLst>
               <a:ext uri="{FF2B5EF4-FFF2-40B4-BE49-F238E27FC236}">
-                <a16:creationId xmlns:a16="http://schemas.microsoft.com/office/drawing/2014/main" id="{BFA45ACB-1B11-C749-63F7-AE6ED07C00F7}"/>
+                <a16:creationId xmlns:a16="http://schemas.microsoft.com/office/drawing/2014/main" id="{3BB9786F-4E10-EA53-E4A2-87BEDCABC33C}"/>
               </a:ext>
             </a:extLst>
           </p:cNvPr>
@@ -1846,7 +1846,7 @@
           <p:cNvPr id="9" name="灯片编号占位符 8">
             <a:extLst>
               <a:ext uri="{FF2B5EF4-FFF2-40B4-BE49-F238E27FC236}">
-                <a16:creationId xmlns:a16="http://schemas.microsoft.com/office/drawing/2014/main" id="{9B6ABDD7-7830-E22E-5D80-B1404E22655B}"/>
+                <a16:creationId xmlns:a16="http://schemas.microsoft.com/office/drawing/2014/main" id="{728039CF-DB98-4B8A-E9B9-B9DF4C61962E}"/>
               </a:ext>
             </a:extLst>
           </p:cNvPr>
@@ -1862,7 +1862,7 @@
           <a:bodyPr/>
           <a:lstStyle/>
           <a:p>
-            <a:fld id="{48C71F1A-2BE9-45AF-A7A2-7BA2AEC8B9B0}" type="slidenum">
+            <a:fld id="{DAB0F139-CA55-4E14-8386-517CB5262081}" type="slidenum">
               <a:rPr lang="zh-CN" altLang="en-US" smtClean="0"/>
               <a:t>‹#›</a:t>
             </a:fld>
@@ -1873,7 +1873,7 @@
     </p:spTree>
     <p:extLst>
       <p:ext uri="{BB962C8B-B14F-4D97-AF65-F5344CB8AC3E}">
-        <p14:creationId xmlns:p14="http://schemas.microsoft.com/office/powerpoint/2010/main" val="3619124422"/>
+        <p14:creationId xmlns:p14="http://schemas.microsoft.com/office/powerpoint/2010/main" val="4044999757"/>
       </p:ext>
     </p:extLst>
   </p:cSld>
@@ -1905,7 +1905,7 @@
           <p:cNvPr id="2" name="标题 1">
             <a:extLst>
               <a:ext uri="{FF2B5EF4-FFF2-40B4-BE49-F238E27FC236}">
-                <a16:creationId xmlns:a16="http://schemas.microsoft.com/office/drawing/2014/main" id="{372BDF96-903D-4587-1D55-D6DC0F80822E}"/>
+                <a16:creationId xmlns:a16="http://schemas.microsoft.com/office/drawing/2014/main" id="{A4761546-908A-D7BB-4A34-1D5E61B7D583}"/>
               </a:ext>
             </a:extLst>
           </p:cNvPr>
@@ -1933,7 +1933,7 @@
           <p:cNvPr id="3" name="日期占位符 2">
             <a:extLst>
               <a:ext uri="{FF2B5EF4-FFF2-40B4-BE49-F238E27FC236}">
-                <a16:creationId xmlns:a16="http://schemas.microsoft.com/office/drawing/2014/main" id="{F559900C-DE3A-E80C-7B1C-04BB5293FD68}"/>
+                <a16:creationId xmlns:a16="http://schemas.microsoft.com/office/drawing/2014/main" id="{870DF11E-C39A-9A8E-D245-5E50006BD69F}"/>
               </a:ext>
             </a:extLst>
           </p:cNvPr>
@@ -1949,7 +1949,7 @@
           <a:bodyPr/>
           <a:lstStyle/>
           <a:p>
-            <a:fld id="{52DF60A9-343E-4BF5-86FF-E319B87B9010}" type="datetimeFigureOut">
+            <a:fld id="{0957C8FE-FD4D-4513-B181-A87F3F81C750}" type="datetimeFigureOut">
               <a:rPr lang="zh-CN" altLang="en-US" smtClean="0"/>
               <a:t>2024/3/10</a:t>
             </a:fld>
@@ -1962,7 +1962,7 @@
           <p:cNvPr id="4" name="页脚占位符 3">
             <a:extLst>
               <a:ext uri="{FF2B5EF4-FFF2-40B4-BE49-F238E27FC236}">
-                <a16:creationId xmlns:a16="http://schemas.microsoft.com/office/drawing/2014/main" id="{D5E9729B-5BCD-EC38-72CB-22FA9995F404}"/>
+                <a16:creationId xmlns:a16="http://schemas.microsoft.com/office/drawing/2014/main" id="{A4BAAF0D-0416-026F-D2BE-5F509AE24E30}"/>
               </a:ext>
             </a:extLst>
           </p:cNvPr>
@@ -1987,7 +1987,7 @@
           <p:cNvPr id="5" name="灯片编号占位符 4">
             <a:extLst>
               <a:ext uri="{FF2B5EF4-FFF2-40B4-BE49-F238E27FC236}">
-                <a16:creationId xmlns:a16="http://schemas.microsoft.com/office/drawing/2014/main" id="{60211E9D-9855-9E14-078B-4F13D60AA67E}"/>
+                <a16:creationId xmlns:a16="http://schemas.microsoft.com/office/drawing/2014/main" id="{EE33B9DF-7053-2B0C-66FB-0995A4B9897D}"/>
               </a:ext>
             </a:extLst>
           </p:cNvPr>
@@ -2003,7 +2003,7 @@
           <a:bodyPr/>
           <a:lstStyle/>
           <a:p>
-            <a:fld id="{48C71F1A-2BE9-45AF-A7A2-7BA2AEC8B9B0}" type="slidenum">
+            <a:fld id="{DAB0F139-CA55-4E14-8386-517CB5262081}" type="slidenum">
               <a:rPr lang="zh-CN" altLang="en-US" smtClean="0"/>
               <a:t>‹#›</a:t>
             </a:fld>
@@ -2014,7 +2014,7 @@
     </p:spTree>
     <p:extLst>
       <p:ext uri="{BB962C8B-B14F-4D97-AF65-F5344CB8AC3E}">
-        <p14:creationId xmlns:p14="http://schemas.microsoft.com/office/powerpoint/2010/main" val="100340932"/>
+        <p14:creationId xmlns:p14="http://schemas.microsoft.com/office/powerpoint/2010/main" val="3390143315"/>
       </p:ext>
     </p:extLst>
   </p:cSld>
@@ -2046,7 +2046,7 @@
           <p:cNvPr id="2" name="日期占位符 1">
             <a:extLst>
               <a:ext uri="{FF2B5EF4-FFF2-40B4-BE49-F238E27FC236}">
-                <a16:creationId xmlns:a16="http://schemas.microsoft.com/office/drawing/2014/main" id="{35BD4DD9-44AD-EC6E-8B5C-DD6BC3751485}"/>
+                <a16:creationId xmlns:a16="http://schemas.microsoft.com/office/drawing/2014/main" id="{FE7377AA-A762-E414-5279-96D751990DE4}"/>
               </a:ext>
             </a:extLst>
           </p:cNvPr>
@@ -2062,7 +2062,7 @@
           <a:bodyPr/>
           <a:lstStyle/>
           <a:p>
-            <a:fld id="{52DF60A9-343E-4BF5-86FF-E319B87B9010}" type="datetimeFigureOut">
+            <a:fld id="{0957C8FE-FD4D-4513-B181-A87F3F81C750}" type="datetimeFigureOut">
               <a:rPr lang="zh-CN" altLang="en-US" smtClean="0"/>
               <a:t>2024/3/10</a:t>
             </a:fld>
@@ -2075,7 +2075,7 @@
           <p:cNvPr id="3" name="页脚占位符 2">
             <a:extLst>
               <a:ext uri="{FF2B5EF4-FFF2-40B4-BE49-F238E27FC236}">
-                <a16:creationId xmlns:a16="http://schemas.microsoft.com/office/drawing/2014/main" id="{55A5775E-12C1-1340-DBBE-5330AFAE61EB}"/>
+                <a16:creationId xmlns:a16="http://schemas.microsoft.com/office/drawing/2014/main" id="{31E68CCA-2EC5-2A98-2104-4159939FE58C}"/>
               </a:ext>
             </a:extLst>
           </p:cNvPr>
@@ -2100,7 +2100,7 @@
           <p:cNvPr id="4" name="灯片编号占位符 3">
             <a:extLst>
               <a:ext uri="{FF2B5EF4-FFF2-40B4-BE49-F238E27FC236}">
-                <a16:creationId xmlns:a16="http://schemas.microsoft.com/office/drawing/2014/main" id="{C61B1F84-D38A-4873-9BE4-1BEA76F32F86}"/>
+                <a16:creationId xmlns:a16="http://schemas.microsoft.com/office/drawing/2014/main" id="{CB8824D1-ECC1-44C6-F59E-5D0C58929DEC}"/>
               </a:ext>
             </a:extLst>
           </p:cNvPr>
@@ -2116,7 +2116,7 @@
           <a:bodyPr/>
           <a:lstStyle/>
           <a:p>
-            <a:fld id="{48C71F1A-2BE9-45AF-A7A2-7BA2AEC8B9B0}" type="slidenum">
+            <a:fld id="{DAB0F139-CA55-4E14-8386-517CB5262081}" type="slidenum">
               <a:rPr lang="zh-CN" altLang="en-US" smtClean="0"/>
               <a:t>‹#›</a:t>
             </a:fld>
@@ -2127,7 +2127,7 @@
     </p:spTree>
     <p:extLst>
       <p:ext uri="{BB962C8B-B14F-4D97-AF65-F5344CB8AC3E}">
-        <p14:creationId xmlns:p14="http://schemas.microsoft.com/office/powerpoint/2010/main" val="2607861712"/>
+        <p14:creationId xmlns:p14="http://schemas.microsoft.com/office/powerpoint/2010/main" val="558537109"/>
       </p:ext>
     </p:extLst>
   </p:cSld>
@@ -2159,7 +2159,7 @@
           <p:cNvPr id="2" name="标题 1">
             <a:extLst>
               <a:ext uri="{FF2B5EF4-FFF2-40B4-BE49-F238E27FC236}">
-                <a16:creationId xmlns:a16="http://schemas.microsoft.com/office/drawing/2014/main" id="{09171920-7366-359C-1977-5682FD1F1878}"/>
+                <a16:creationId xmlns:a16="http://schemas.microsoft.com/office/drawing/2014/main" id="{244A71F3-1651-DA43-30A1-87DEB6AA3EFA}"/>
               </a:ext>
             </a:extLst>
           </p:cNvPr>
@@ -2196,7 +2196,7 @@
           <p:cNvPr id="3" name="内容占位符 2">
             <a:extLst>
               <a:ext uri="{FF2B5EF4-FFF2-40B4-BE49-F238E27FC236}">
-                <a16:creationId xmlns:a16="http://schemas.microsoft.com/office/drawing/2014/main" id="{5566DFE8-D602-151E-42E1-A81173198D1B}"/>
+                <a16:creationId xmlns:a16="http://schemas.microsoft.com/office/drawing/2014/main" id="{AF15EBA1-A308-D563-389C-E2933D0ED78E}"/>
               </a:ext>
             </a:extLst>
           </p:cNvPr>
@@ -2286,7 +2286,7 @@
           <p:cNvPr id="4" name="文本占位符 3">
             <a:extLst>
               <a:ext uri="{FF2B5EF4-FFF2-40B4-BE49-F238E27FC236}">
-                <a16:creationId xmlns:a16="http://schemas.microsoft.com/office/drawing/2014/main" id="{2C0E84FD-3A31-3C0D-D6CB-DCF4EC8C7E63}"/>
+                <a16:creationId xmlns:a16="http://schemas.microsoft.com/office/drawing/2014/main" id="{AEAF4024-2A11-7F1C-0B34-F63C18F4FAFF}"/>
               </a:ext>
             </a:extLst>
           </p:cNvPr>
@@ -2357,7 +2357,7 @@
           <p:cNvPr id="5" name="日期占位符 4">
             <a:extLst>
               <a:ext uri="{FF2B5EF4-FFF2-40B4-BE49-F238E27FC236}">
-                <a16:creationId xmlns:a16="http://schemas.microsoft.com/office/drawing/2014/main" id="{F18F3D3A-A14A-A48C-DC5E-0ED076EFF59C}"/>
+                <a16:creationId xmlns:a16="http://schemas.microsoft.com/office/drawing/2014/main" id="{46EEFA74-A256-69A2-940E-60FE5BD8BCC5}"/>
               </a:ext>
             </a:extLst>
           </p:cNvPr>
@@ -2373,7 +2373,7 @@
           <a:bodyPr/>
           <a:lstStyle/>
           <a:p>
-            <a:fld id="{52DF60A9-343E-4BF5-86FF-E319B87B9010}" type="datetimeFigureOut">
+            <a:fld id="{0957C8FE-FD4D-4513-B181-A87F3F81C750}" type="datetimeFigureOut">
               <a:rPr lang="zh-CN" altLang="en-US" smtClean="0"/>
               <a:t>2024/3/10</a:t>
             </a:fld>
@@ -2386,7 +2386,7 @@
           <p:cNvPr id="6" name="页脚占位符 5">
             <a:extLst>
               <a:ext uri="{FF2B5EF4-FFF2-40B4-BE49-F238E27FC236}">
-                <a16:creationId xmlns:a16="http://schemas.microsoft.com/office/drawing/2014/main" id="{E12A63A4-25E0-1392-DB6A-F248D2E3A6F1}"/>
+                <a16:creationId xmlns:a16="http://schemas.microsoft.com/office/drawing/2014/main" id="{66F8F04C-6636-F64B-84CC-2AB51FC2C7D2}"/>
               </a:ext>
             </a:extLst>
           </p:cNvPr>
@@ -2411,7 +2411,7 @@
           <p:cNvPr id="7" name="灯片编号占位符 6">
             <a:extLst>
               <a:ext uri="{FF2B5EF4-FFF2-40B4-BE49-F238E27FC236}">
-                <a16:creationId xmlns:a16="http://schemas.microsoft.com/office/drawing/2014/main" id="{DC13A863-841A-6E32-01B8-74B5DF4A355A}"/>
+                <a16:creationId xmlns:a16="http://schemas.microsoft.com/office/drawing/2014/main" id="{F76276A0-972E-3856-4D4F-0C0BA123155F}"/>
               </a:ext>
             </a:extLst>
           </p:cNvPr>
@@ -2427,7 +2427,7 @@
           <a:bodyPr/>
           <a:lstStyle/>
           <a:p>
-            <a:fld id="{48C71F1A-2BE9-45AF-A7A2-7BA2AEC8B9B0}" type="slidenum">
+            <a:fld id="{DAB0F139-CA55-4E14-8386-517CB5262081}" type="slidenum">
               <a:rPr lang="zh-CN" altLang="en-US" smtClean="0"/>
               <a:t>‹#›</a:t>
             </a:fld>
@@ -2438,7 +2438,7 @@
     </p:spTree>
     <p:extLst>
       <p:ext uri="{BB962C8B-B14F-4D97-AF65-F5344CB8AC3E}">
-        <p14:creationId xmlns:p14="http://schemas.microsoft.com/office/powerpoint/2010/main" val="433271060"/>
+        <p14:creationId xmlns:p14="http://schemas.microsoft.com/office/powerpoint/2010/main" val="3639677115"/>
       </p:ext>
     </p:extLst>
   </p:cSld>
@@ -2470,7 +2470,7 @@
           <p:cNvPr id="2" name="标题 1">
             <a:extLst>
               <a:ext uri="{FF2B5EF4-FFF2-40B4-BE49-F238E27FC236}">
-                <a16:creationId xmlns:a16="http://schemas.microsoft.com/office/drawing/2014/main" id="{E3415CFB-AE48-C787-9822-DE0C43BF2AC1}"/>
+                <a16:creationId xmlns:a16="http://schemas.microsoft.com/office/drawing/2014/main" id="{28E1F274-F3A9-9F53-B559-95979CAECE70}"/>
               </a:ext>
             </a:extLst>
           </p:cNvPr>
@@ -2507,7 +2507,7 @@
           <p:cNvPr id="3" name="图片占位符 2">
             <a:extLst>
               <a:ext uri="{FF2B5EF4-FFF2-40B4-BE49-F238E27FC236}">
-                <a16:creationId xmlns:a16="http://schemas.microsoft.com/office/drawing/2014/main" id="{91BFAF73-6E57-C9D9-7259-3BBD37FBA88A}"/>
+                <a16:creationId xmlns:a16="http://schemas.microsoft.com/office/drawing/2014/main" id="{49D371DC-E13A-ADAE-D627-1A257A41A7C3}"/>
               </a:ext>
             </a:extLst>
           </p:cNvPr>
@@ -2574,7 +2574,7 @@
           <p:cNvPr id="4" name="文本占位符 3">
             <a:extLst>
               <a:ext uri="{FF2B5EF4-FFF2-40B4-BE49-F238E27FC236}">
-                <a16:creationId xmlns:a16="http://schemas.microsoft.com/office/drawing/2014/main" id="{3178D631-C959-7BA6-CDED-51AF3339695E}"/>
+                <a16:creationId xmlns:a16="http://schemas.microsoft.com/office/drawing/2014/main" id="{4DBB8293-F4DB-80FE-B5B2-FB74EEA9A492}"/>
               </a:ext>
             </a:extLst>
           </p:cNvPr>
@@ -2645,7 +2645,7 @@
           <p:cNvPr id="5" name="日期占位符 4">
             <a:extLst>
               <a:ext uri="{FF2B5EF4-FFF2-40B4-BE49-F238E27FC236}">
-                <a16:creationId xmlns:a16="http://schemas.microsoft.com/office/drawing/2014/main" id="{D889AD34-883C-A9E3-54D4-8EF6DA6104E8}"/>
+                <a16:creationId xmlns:a16="http://schemas.microsoft.com/office/drawing/2014/main" id="{2F5F898C-B9C9-22D1-726D-D91681193A5B}"/>
               </a:ext>
             </a:extLst>
           </p:cNvPr>
@@ -2661,7 +2661,7 @@
           <a:bodyPr/>
           <a:lstStyle/>
           <a:p>
-            <a:fld id="{52DF60A9-343E-4BF5-86FF-E319B87B9010}" type="datetimeFigureOut">
+            <a:fld id="{0957C8FE-FD4D-4513-B181-A87F3F81C750}" type="datetimeFigureOut">
               <a:rPr lang="zh-CN" altLang="en-US" smtClean="0"/>
               <a:t>2024/3/10</a:t>
             </a:fld>
@@ -2674,7 +2674,7 @@
           <p:cNvPr id="6" name="页脚占位符 5">
             <a:extLst>
               <a:ext uri="{FF2B5EF4-FFF2-40B4-BE49-F238E27FC236}">
-                <a16:creationId xmlns:a16="http://schemas.microsoft.com/office/drawing/2014/main" id="{D22B5DF8-9A0F-4C89-9E6E-80F4AA7FEA64}"/>
+                <a16:creationId xmlns:a16="http://schemas.microsoft.com/office/drawing/2014/main" id="{29C9AA7D-064B-9FEA-9DE6-A58C3F1C96B2}"/>
               </a:ext>
             </a:extLst>
           </p:cNvPr>
@@ -2699,7 +2699,7 @@
           <p:cNvPr id="7" name="灯片编号占位符 6">
             <a:extLst>
               <a:ext uri="{FF2B5EF4-FFF2-40B4-BE49-F238E27FC236}">
-                <a16:creationId xmlns:a16="http://schemas.microsoft.com/office/drawing/2014/main" id="{E71A01DC-25C0-8DCF-B614-7E049677DE1A}"/>
+                <a16:creationId xmlns:a16="http://schemas.microsoft.com/office/drawing/2014/main" id="{77FAA887-680E-7B9D-C5AA-420178203607}"/>
               </a:ext>
             </a:extLst>
           </p:cNvPr>
@@ -2715,7 +2715,7 @@
           <a:bodyPr/>
           <a:lstStyle/>
           <a:p>
-            <a:fld id="{48C71F1A-2BE9-45AF-A7A2-7BA2AEC8B9B0}" type="slidenum">
+            <a:fld id="{DAB0F139-CA55-4E14-8386-517CB5262081}" type="slidenum">
               <a:rPr lang="zh-CN" altLang="en-US" smtClean="0"/>
               <a:t>‹#›</a:t>
             </a:fld>
@@ -2726,7 +2726,7 @@
     </p:spTree>
     <p:extLst>
       <p:ext uri="{BB962C8B-B14F-4D97-AF65-F5344CB8AC3E}">
-        <p14:creationId xmlns:p14="http://schemas.microsoft.com/office/powerpoint/2010/main" val="3364321914"/>
+        <p14:creationId xmlns:p14="http://schemas.microsoft.com/office/powerpoint/2010/main" val="3403100888"/>
       </p:ext>
     </p:extLst>
   </p:cSld>
@@ -2763,7 +2763,7 @@
           <p:cNvPr id="2" name="标题占位符 1">
             <a:extLst>
               <a:ext uri="{FF2B5EF4-FFF2-40B4-BE49-F238E27FC236}">
-                <a16:creationId xmlns:a16="http://schemas.microsoft.com/office/drawing/2014/main" id="{A2D2E4E9-8E9D-3EFA-CA86-918D13A61509}"/>
+                <a16:creationId xmlns:a16="http://schemas.microsoft.com/office/drawing/2014/main" id="{C2A72C8F-1D60-7E6B-1CD2-CC2CC723057D}"/>
               </a:ext>
             </a:extLst>
           </p:cNvPr>
@@ -2801,7 +2801,7 @@
           <p:cNvPr id="3" name="文本占位符 2">
             <a:extLst>
               <a:ext uri="{FF2B5EF4-FFF2-40B4-BE49-F238E27FC236}">
-                <a16:creationId xmlns:a16="http://schemas.microsoft.com/office/drawing/2014/main" id="{1AA5730A-D35D-B8DA-5F9E-8EA8754E4495}"/>
+                <a16:creationId xmlns:a16="http://schemas.microsoft.com/office/drawing/2014/main" id="{7BEC6981-3C53-9751-788F-D2580BD45BC0}"/>
               </a:ext>
             </a:extLst>
           </p:cNvPr>
@@ -2868,7 +2868,7 @@
           <p:cNvPr id="4" name="日期占位符 3">
             <a:extLst>
               <a:ext uri="{FF2B5EF4-FFF2-40B4-BE49-F238E27FC236}">
-                <a16:creationId xmlns:a16="http://schemas.microsoft.com/office/drawing/2014/main" id="{43076A33-6D77-0408-0C4F-0230D7A05ECB}"/>
+                <a16:creationId xmlns:a16="http://schemas.microsoft.com/office/drawing/2014/main" id="{C213DF12-7780-F053-6063-94CD3D587E29}"/>
               </a:ext>
             </a:extLst>
           </p:cNvPr>
@@ -2902,7 +2902,7 @@
             </a:lvl1pPr>
           </a:lstStyle>
           <a:p>
-            <a:fld id="{52DF60A9-343E-4BF5-86FF-E319B87B9010}" type="datetimeFigureOut">
+            <a:fld id="{0957C8FE-FD4D-4513-B181-A87F3F81C750}" type="datetimeFigureOut">
               <a:rPr lang="zh-CN" altLang="en-US" smtClean="0"/>
               <a:t>2024/3/10</a:t>
             </a:fld>
@@ -2915,7 +2915,7 @@
           <p:cNvPr id="5" name="页脚占位符 4">
             <a:extLst>
               <a:ext uri="{FF2B5EF4-FFF2-40B4-BE49-F238E27FC236}">
-                <a16:creationId xmlns:a16="http://schemas.microsoft.com/office/drawing/2014/main" id="{28CDD963-8617-661E-9A05-33C431551BD4}"/>
+                <a16:creationId xmlns:a16="http://schemas.microsoft.com/office/drawing/2014/main" id="{A0A90412-A248-96AF-845B-2952B22802EB}"/>
               </a:ext>
             </a:extLst>
           </p:cNvPr>
@@ -2958,7 +2958,7 @@
           <p:cNvPr id="6" name="灯片编号占位符 5">
             <a:extLst>
               <a:ext uri="{FF2B5EF4-FFF2-40B4-BE49-F238E27FC236}">
-                <a16:creationId xmlns:a16="http://schemas.microsoft.com/office/drawing/2014/main" id="{77424B57-997A-71A7-9DB2-11D4F3576EBA}"/>
+                <a16:creationId xmlns:a16="http://schemas.microsoft.com/office/drawing/2014/main" id="{536DA4F1-3DD7-851D-404A-D716C5CB79FA}"/>
               </a:ext>
             </a:extLst>
           </p:cNvPr>
@@ -2992,7 +2992,7 @@
             </a:lvl1pPr>
           </a:lstStyle>
           <a:p>
-            <a:fld id="{48C71F1A-2BE9-45AF-A7A2-7BA2AEC8B9B0}" type="slidenum">
+            <a:fld id="{DAB0F139-CA55-4E14-8386-517CB5262081}" type="slidenum">
               <a:rPr lang="zh-CN" altLang="en-US" smtClean="0"/>
               <a:t>‹#›</a:t>
             </a:fld>
@@ -3003,7 +3003,7 @@
     </p:spTree>
     <p:extLst>
       <p:ext uri="{BB962C8B-B14F-4D97-AF65-F5344CB8AC3E}">
-        <p14:creationId xmlns:p14="http://schemas.microsoft.com/office/powerpoint/2010/main" val="483391213"/>
+        <p14:creationId xmlns:p14="http://schemas.microsoft.com/office/powerpoint/2010/main" val="1169934251"/>
       </p:ext>
     </p:extLst>
   </p:cSld>
